--- a/Презентация КП.pptx
+++ b/Презентация КП.pptx
@@ -3054,15 +3054,7 @@
                   <a:schemeClr val="bg1"/>
                 </a:solidFill>
               </a:rPr>
-              <a:t>любителя </a:t>
-            </a:r>
-            <a:r>
-              <a:rPr lang="ru-RU" sz="4400" dirty="0" smtClean="0">
-                <a:solidFill>
-                  <a:schemeClr val="bg1"/>
-                </a:solidFill>
-              </a:rPr>
-              <a:t>музыкальных произведений</a:t>
+              <a:t>любителя музыкальных произведений</a:t>
             </a:r>
             <a:endParaRPr lang="ru-RU" sz="4400" dirty="0">
               <a:solidFill>
@@ -3103,14 +3095,6 @@
               </a:rPr>
               <a:t>Студент: Томский Н.А. </a:t>
             </a:r>
-            <a:r>
-              <a:rPr lang="ru-RU" dirty="0" smtClean="0">
-                <a:solidFill>
-                  <a:schemeClr val="bg1"/>
-                </a:solidFill>
-              </a:rPr>
-              <a:t/>
-            </a:r>
             <a:br>
               <a:rPr lang="ru-RU" dirty="0" smtClean="0">
                 <a:solidFill>
@@ -3126,11 +3110,6 @@
               </a:rPr>
               <a:t>Группа: ПКС-304</a:t>
             </a:r>
-            <a:endParaRPr lang="ru-RU" dirty="0" smtClean="0">
-              <a:solidFill>
-                <a:schemeClr val="bg1"/>
-              </a:solidFill>
-            </a:endParaRPr>
           </a:p>
           <a:p>
             <a:pPr algn="r"/>
@@ -3150,11 +3129,6 @@
               </a:rPr>
               <a:t>: Ларионова Е.А.</a:t>
             </a:r>
-            <a:endParaRPr lang="ru-RU" dirty="0">
-              <a:solidFill>
-                <a:schemeClr val="bg1"/>
-              </a:solidFill>
-            </a:endParaRPr>
           </a:p>
         </p:txBody>
       </p:sp>
@@ -3219,15 +3193,7 @@
                   <a:schemeClr val="bg1"/>
                 </a:solidFill>
               </a:rPr>
-              <a:t>Главная задача </a:t>
-            </a:r>
-            <a:r>
-              <a:rPr lang="ru-RU" dirty="0" smtClean="0">
-                <a:solidFill>
-                  <a:schemeClr val="bg1"/>
-                </a:solidFill>
-              </a:rPr>
-              <a:t>проекта	</a:t>
+              <a:t>Главная задача проекта	</a:t>
             </a:r>
             <a:endParaRPr lang="ru-RU" dirty="0">
               <a:solidFill>
@@ -3329,15 +3295,7 @@
                   <a:schemeClr val="bg1"/>
                 </a:solidFill>
               </a:rPr>
-              <a:t>вести данные</a:t>
-            </a:r>
-            <a:r>
-              <a:rPr lang="ru-RU" dirty="0" smtClean="0">
-                <a:solidFill>
-                  <a:schemeClr val="bg1"/>
-                </a:solidFill>
-              </a:rPr>
-              <a:t> </a:t>
+              <a:t>вести данные </a:t>
             </a:r>
             <a:r>
               <a:rPr lang="ru-RU" dirty="0">
@@ -3850,15 +3808,7 @@
                   <a:schemeClr val="bg1"/>
                 </a:solidFill>
               </a:rPr>
-              <a:t>Приложение </a:t>
-            </a:r>
-            <a:r>
-              <a:rPr lang="ru-RU" dirty="0" smtClean="0">
-                <a:solidFill>
-                  <a:schemeClr val="bg1"/>
-                </a:solidFill>
-              </a:rPr>
-              <a:t>поддерживает следующий набор основных функций:</a:t>
+              <a:t>Приложение поддерживает следующий набор основных функций:</a:t>
             </a:r>
           </a:p>
           <a:p>
@@ -4164,7 +4114,31 @@
                   <a:schemeClr val="bg1"/>
                 </a:solidFill>
               </a:rPr>
-              <a:t>, протестированы и готовы к работе в течение полутора </a:t>
+              <a:t>, протестированы и готовы к работе в </a:t>
+            </a:r>
+            <a:r>
+              <a:rPr lang="ru-RU">
+                <a:solidFill>
+                  <a:schemeClr val="bg1"/>
+                </a:solidFill>
+              </a:rPr>
+              <a:t>течение </a:t>
+            </a:r>
+            <a:r>
+              <a:rPr lang="ru-RU" smtClean="0">
+                <a:solidFill>
+                  <a:schemeClr val="bg1"/>
+                </a:solidFill>
+              </a:rPr>
+              <a:t>трех</a:t>
+            </a:r>
+            <a:r>
+              <a:rPr lang="ru-RU" smtClean="0">
+                <a:solidFill>
+                  <a:schemeClr val="bg1"/>
+                </a:solidFill>
+              </a:rPr>
+              <a:t> </a:t>
             </a:r>
             <a:r>
               <a:rPr lang="ru-RU" dirty="0" smtClean="0">
@@ -4174,11 +4148,6 @@
               </a:rPr>
               <a:t>месяцев. </a:t>
             </a:r>
-            <a:endParaRPr lang="ru-RU" dirty="0" smtClean="0">
-              <a:solidFill>
-                <a:schemeClr val="bg1"/>
-              </a:solidFill>
-            </a:endParaRPr>
           </a:p>
           <a:p>
             <a:pPr marL="514350" indent="-514350" algn="just">
@@ -4237,15 +4206,7 @@
                   <a:schemeClr val="bg1"/>
                 </a:solidFill>
               </a:rPr>
-              <a:t>пользователем, а так же с целью увеличения числа полезных функций</a:t>
-            </a:r>
-            <a:r>
-              <a:rPr lang="ru-RU" dirty="0" smtClean="0">
-                <a:solidFill>
-                  <a:schemeClr val="bg1"/>
-                </a:solidFill>
-              </a:rPr>
-              <a:t>.</a:t>
+              <a:t>пользователем, а так же с целью увеличения числа полезных функций.</a:t>
             </a:r>
             <a:endParaRPr lang="en-US" dirty="0" smtClean="0">
               <a:solidFill>
